--- a/diagram.pptx
+++ b/diagram.pptx
@@ -4371,6 +4371,12 @@
               <a:gd name="adj2" fmla="val -4566"/>
             </a:avLst>
           </a:prstGeom>
+          <a:solidFill>
+            <a:schemeClr val="tx2">
+              <a:lumMod val="60000"/>
+              <a:lumOff val="40000"/>
+            </a:schemeClr>
+          </a:solidFill>
           <a:effectLst/>
         </p:spPr>
         <p:style>
@@ -4417,6 +4423,12 @@
               <a:gd name="adj2" fmla="val -4566"/>
             </a:avLst>
           </a:prstGeom>
+          <a:solidFill>
+            <a:schemeClr val="tx2">
+              <a:lumMod val="60000"/>
+              <a:lumOff val="40000"/>
+            </a:schemeClr>
+          </a:solidFill>
           <a:effectLst/>
         </p:spPr>
         <p:style>
@@ -4657,14 +4669,6 @@
               </a:rPr>
               <a:t>otfix</a:t>
             </a:r>
-            <a:endParaRPr lang="en-US" sz="800" dirty="0" smtClean="0">
-              <a:solidFill>
-                <a:schemeClr val="tx1">
-                  <a:lumMod val="50000"/>
-                  <a:lumOff val="50000"/>
-                </a:schemeClr>
-              </a:solidFill>
-            </a:endParaRPr>
           </a:p>
         </p:txBody>
       </p:sp>
@@ -4772,11 +4776,7 @@
             <a:pPr algn="ctr"/>
             <a:r>
               <a:rPr lang="en-US" sz="1050" b="1" dirty="0" smtClean="0"/>
-              <a:t>s</a:t>
-            </a:r>
-            <a:r>
-              <a:rPr lang="en-US" sz="1050" b="1" dirty="0" smtClean="0"/>
-              <a:t>upport-1.2</a:t>
+              <a:t>support-1.2</a:t>
             </a:r>
             <a:endParaRPr lang="en-US" sz="1050" b="1" dirty="0"/>
           </a:p>
@@ -4960,14 +4960,6 @@
               </a:rPr>
               <a:t>hotfix</a:t>
             </a:r>
-            <a:endParaRPr lang="en-US" sz="800" dirty="0" smtClean="0">
-              <a:solidFill>
-                <a:schemeClr val="tx1">
-                  <a:lumMod val="50000"/>
-                  <a:lumOff val="50000"/>
-                </a:schemeClr>
-              </a:solidFill>
-            </a:endParaRPr>
           </a:p>
         </p:txBody>
       </p:sp>
@@ -5082,6 +5074,12 @@
               <a:gd name="adj2" fmla="val -4566"/>
             </a:avLst>
           </a:prstGeom>
+          <a:solidFill>
+            <a:schemeClr val="tx2">
+              <a:lumMod val="60000"/>
+              <a:lumOff val="40000"/>
+            </a:schemeClr>
+          </a:solidFill>
           <a:effectLst/>
         </p:spPr>
         <p:style>
